--- a/CSNS_March_2019/4_Thursday_March_28th/8_iFit/iFit.pptx
+++ b/CSNS_March_2019/4_Thursday_March_28th/8_iFit/iFit.pptx
@@ -17935,6 +17935,47 @@
             <a:pPr/>
           </a:p>
           <a:p>
+            <a:pPr marL="180473" indent="-180473"/>
+            <a:r>
+              <a:t>Launch iFit/Matlab and load data from one or more of the TOF monitor outputs of the scan, TOF spectrometer exercise, e.g.</a:t>
+            </a:r>
+          </a:p>
+          <a:p>
+            <a:pPr lvl="1" marL="561473" indent="-180473">
+              <a:buChar char="•"/>
+            </a:pPr>
+            <a:r>
+              <a:t>a=iData(‘folder/5/in5*.t’)</a:t>
+            </a:r>
+          </a:p>
+          <a:p>
+            <a:pPr lvl="1" marL="561473" indent="-180473">
+              <a:buChar char="•"/>
+            </a:pPr>
+            <a:r>
+              <a:t>a.error=1</a:t>
+            </a:r>
+          </a:p>
+          <a:p>
+            <a:pPr lvl="1" marL="561473" indent="-180473">
+              <a:buChar char="•"/>
+            </a:pPr>
+            <a:r>
+              <a:t>fits(a,’gauss’)</a:t>
+            </a:r>
+          </a:p>
+          <a:p>
+            <a:pPr lvl="1" marL="561473" indent="-180473">
+              <a:buChar char="•"/>
+            </a:pPr>
+            <a:r>
+              <a:t>plot(a)</a:t>
+            </a:r>
+          </a:p>
+          <a:p>
+            <a:pPr/>
+          </a:p>
+          <a:p>
             <a:pPr/>
             <a:r>
               <a:t>Use the instructions at </a:t>

--- a/CSNS_March_2019/4_Thursday_March_28th/8_iFit/iFit.pptx
+++ b/CSNS_March_2019/4_Thursday_March_28th/8_iFit/iFit.pptx
@@ -17937,7 +17937,7 @@
           <a:p>
             <a:pPr marL="180473" indent="-180473"/>
             <a:r>
-              <a:t>Launch iFit/Matlab and load data from one or more of the TOF monitor outputs of the scan, TOF spectrometer exercise, e.g.</a:t>
+              <a:t>Launch iFit and load data from one or more of the TOF monitor outputs of the last scans in the TOF spectrometer exercise, e.g.</a:t>
             </a:r>
           </a:p>
           <a:p>
@@ -18024,6 +18024,49 @@
           <a:p>
             <a:pPr/>
             <a:fld id="{86CB4B4D-7CA3-9044-876B-883B54F8677D}" type="slidenum"/>
+          </a:p>
+        </p:txBody>
+      </p:sp>
+      <p:sp>
+        <p:nvSpPr>
+          <p:cNvPr id="278" name="USB keys also available!"/>
+          <p:cNvSpPr/>
+          <p:nvPr/>
+        </p:nvSpPr>
+        <p:spPr>
+          <a:xfrm>
+            <a:off x="7192313" y="457161"/>
+            <a:ext cx="4284006" cy="947317"/>
+          </a:xfrm>
+          <a:prstGeom prst="rect">
+            <a:avLst/>
+          </a:prstGeom>
+          <a:solidFill>
+            <a:srgbClr val="FFFFFF"/>
+          </a:solidFill>
+          <a:ln w="25400">
+            <a:solidFill>
+              <a:schemeClr val="accent1"/>
+            </a:solidFill>
+          </a:ln>
+          <a:extLst>
+            <a:ext uri="{C572A759-6A51-4108-AA02-DFA0A04FC94B}">
+              <ma14:wrappingTextBoxFlag xmlns:ma14="http://schemas.microsoft.com/office/mac/drawingml/2011/main" val="1"/>
+            </a:ext>
+          </a:extLst>
+        </p:spPr>
+        <p:txBody>
+          <a:bodyPr lIns="46799" tIns="46799" rIns="46799" bIns="46799" anchor="ctr"/>
+          <a:lstStyle>
+            <a:lvl1pPr>
+              <a:defRPr b="1" sz="2600"/>
+            </a:lvl1pPr>
+          </a:lstStyle>
+          <a:p>
+            <a:pPr/>
+            <a:r>
+              <a:t>USB keys also available!</a:t>
+            </a:r>
           </a:p>
         </p:txBody>
       </p:sp>
